--- a/images/Box Office Analysis.pptx
+++ b/images/Box Office Analysis.pptx
@@ -1279,7 +1279,7 @@
         <a:lstStyle/>
         <a:p>
           <a:r>
-            <a:rPr lang="en-US"/>
+            <a:rPr lang="en-US" dirty="0"/>
             <a:t>English language </a:t>
           </a:r>
         </a:p>
@@ -1943,7 +1943,7 @@
             <a:buNone/>
           </a:pPr>
           <a:r>
-            <a:rPr lang="en-US" sz="2400" kern="1200"/>
+            <a:rPr lang="en-US" sz="2400" kern="1200" dirty="0"/>
             <a:t>English language </a:t>
           </a:r>
         </a:p>
@@ -12293,7 +12293,7 @@
           <a:p>
             <a:fld id="{4C5ACBC2-97C7-4143-A53E-872FCD4D9C96}" type="datetimeFigureOut">
               <a:rPr lang="en-US" smtClean="0"/>
-              <a:t>3/23/2021</a:t>
+              <a:t>3/24/2021</a:t>
             </a:fld>
             <a:endParaRPr lang="en-US"/>
           </a:p>
@@ -12500,7 +12500,7 @@
           <a:p>
             <a:fld id="{4C5ACBC2-97C7-4143-A53E-872FCD4D9C96}" type="datetimeFigureOut">
               <a:rPr lang="en-US" smtClean="0"/>
-              <a:t>3/23/2021</a:t>
+              <a:t>3/24/2021</a:t>
             </a:fld>
             <a:endParaRPr lang="en-US"/>
           </a:p>
@@ -12680,7 +12680,7 @@
           <a:p>
             <a:fld id="{4C5ACBC2-97C7-4143-A53E-872FCD4D9C96}" type="datetimeFigureOut">
               <a:rPr lang="en-US" smtClean="0"/>
-              <a:t>3/23/2021</a:t>
+              <a:t>3/24/2021</a:t>
             </a:fld>
             <a:endParaRPr lang="en-US"/>
           </a:p>
@@ -12885,7 +12885,7 @@
           <a:p>
             <a:fld id="{4C5ACBC2-97C7-4143-A53E-872FCD4D9C96}" type="datetimeFigureOut">
               <a:rPr lang="en-US" smtClean="0"/>
-              <a:t>3/23/2021</a:t>
+              <a:t>3/24/2021</a:t>
             </a:fld>
             <a:endParaRPr lang="en-US"/>
           </a:p>
@@ -21783,7 +21783,7 @@
           <a:p>
             <a:fld id="{4C5ACBC2-97C7-4143-A53E-872FCD4D9C96}" type="datetimeFigureOut">
               <a:rPr lang="en-US" smtClean="0"/>
-              <a:t>3/23/2021</a:t>
+              <a:t>3/24/2021</a:t>
             </a:fld>
             <a:endParaRPr lang="en-US"/>
           </a:p>
@@ -22057,7 +22057,7 @@
           <a:p>
             <a:fld id="{4C5ACBC2-97C7-4143-A53E-872FCD4D9C96}" type="datetimeFigureOut">
               <a:rPr lang="en-US" smtClean="0"/>
-              <a:t>3/23/2021</a:t>
+              <a:t>3/24/2021</a:t>
             </a:fld>
             <a:endParaRPr lang="en-US"/>
           </a:p>
@@ -22455,7 +22455,7 @@
           <a:p>
             <a:fld id="{4C5ACBC2-97C7-4143-A53E-872FCD4D9C96}" type="datetimeFigureOut">
               <a:rPr lang="en-US" smtClean="0"/>
-              <a:t>3/23/2021</a:t>
+              <a:t>3/24/2021</a:t>
             </a:fld>
             <a:endParaRPr lang="en-US"/>
           </a:p>
@@ -22573,7 +22573,7 @@
           <a:p>
             <a:fld id="{4C5ACBC2-97C7-4143-A53E-872FCD4D9C96}" type="datetimeFigureOut">
               <a:rPr lang="en-US" smtClean="0"/>
-              <a:t>3/23/2021</a:t>
+              <a:t>3/24/2021</a:t>
             </a:fld>
             <a:endParaRPr lang="en-US"/>
           </a:p>
@@ -22668,7 +22668,7 @@
           <a:p>
             <a:fld id="{4C5ACBC2-97C7-4143-A53E-872FCD4D9C96}" type="datetimeFigureOut">
               <a:rPr lang="en-US" smtClean="0"/>
-              <a:t>3/23/2021</a:t>
+              <a:t>3/24/2021</a:t>
             </a:fld>
             <a:endParaRPr lang="en-US"/>
           </a:p>
@@ -22958,7 +22958,7 @@
           <a:p>
             <a:fld id="{4C5ACBC2-97C7-4143-A53E-872FCD4D9C96}" type="datetimeFigureOut">
               <a:rPr lang="en-US" smtClean="0"/>
-              <a:t>3/23/2021</a:t>
+              <a:t>3/24/2021</a:t>
             </a:fld>
             <a:endParaRPr lang="en-US"/>
           </a:p>
@@ -23238,7 +23238,7 @@
           <a:p>
             <a:fld id="{4C5ACBC2-97C7-4143-A53E-872FCD4D9C96}" type="datetimeFigureOut">
               <a:rPr lang="en-US" smtClean="0"/>
-              <a:t>3/23/2021</a:t>
+              <a:t>3/24/2021</a:t>
             </a:fld>
             <a:endParaRPr lang="en-US"/>
           </a:p>
@@ -23488,7 +23488,7 @@
           <a:p>
             <a:fld id="{4C5ACBC2-97C7-4143-A53E-872FCD4D9C96}" type="datetimeFigureOut">
               <a:rPr lang="en-US" smtClean="0"/>
-              <a:t>3/23/2021</a:t>
+              <a:t>3/24/2021</a:t>
             </a:fld>
             <a:endParaRPr lang="en-US"/>
           </a:p>
@@ -24873,7 +24873,7 @@
                   <a:srgbClr val="FFFFFF"/>
                 </a:solidFill>
               </a:rPr>
-              <a:t>Budget and revenue are correlated, but do not spend frivolously</a:t>
+              <a:t>Budget and revenue are correlated, but avoid wasteful spending</a:t>
             </a:r>
           </a:p>
           <a:p>
@@ -25259,7 +25259,7 @@
                   <a:srgbClr val="FFFFFF"/>
                 </a:solidFill>
               </a:rPr>
-              <a:t>What are the commonalities in box office flops?</a:t>
+              <a:t>What are the commonalities of box office flops?</a:t>
             </a:r>
           </a:p>
           <a:p>
@@ -25348,7 +25348,7 @@
                   <a:srgbClr val="FFFFFF"/>
                 </a:solidFill>
               </a:rPr>
-              <a:t>Seek trends in critic and audience popularity</a:t>
+              <a:t>Identify trends in critic and audience popularity</a:t>
             </a:r>
           </a:p>
         </p:txBody>
@@ -26057,10 +26057,10 @@
       </p:sp>
       <p:pic>
         <p:nvPicPr>
-          <p:cNvPr id="5" name="Content Placeholder 4">
+          <p:cNvPr id="7" name="Content Placeholder 6" descr="Chart, bar chart&#10;&#10;Description automatically generated">
             <a:extLst>
               <a:ext uri="{FF2B5EF4-FFF2-40B4-BE49-F238E27FC236}">
-                <a16:creationId xmlns:a16="http://schemas.microsoft.com/office/drawing/2014/main" id="{F63DA520-D666-4840-97E3-02F4FA1E83AF}"/>
+                <a16:creationId xmlns:a16="http://schemas.microsoft.com/office/drawing/2014/main" id="{2CE612E7-16BF-44B6-B5AF-442F4D90AB0B}"/>
               </a:ext>
             </a:extLst>
           </p:cNvPr>
@@ -26079,13 +26079,14 @@
               </a:ext>
             </a:extLst>
           </a:blip>
-          <a:srcRect/>
-          <a:stretch/>
+          <a:stretch>
+            <a:fillRect/>
+          </a:stretch>
         </p:blipFill>
         <p:spPr>
           <a:xfrm>
             <a:off x="0" y="0"/>
-            <a:ext cx="12192000" cy="6857999"/>
+            <a:ext cx="12192000" cy="6858000"/>
           </a:xfrm>
         </p:spPr>
       </p:pic>
